--- a/ppt 16-9/1199.迁居礼拜.pptx
+++ b/ppt 16-9/1199.迁居礼拜.pptx
@@ -5,7 +5,7 @@
     <p:sldMasterId id="2147483648" r:id="rId1"/>
   </p:sldMasterIdLst>
   <p:sldIdLst>
-    <p:sldId id="724" r:id="rId2"/>
+    <p:sldId id="726" r:id="rId2"/>
   </p:sldIdLst>
   <p:sldSz cx="12192000" cy="6858000"/>
   <p:notesSz cx="6858000" cy="9144000"/>
@@ -129,7 +129,7 @@
           <p:cNvPr id="2" name="标题 1">
             <a:extLst>
               <a:ext uri="{FF2B5EF4-FFF2-40B4-BE49-F238E27FC236}">
-                <a16:creationId xmlns:a16="http://schemas.microsoft.com/office/drawing/2014/main" id="{62A24B72-E7DF-96D8-9F15-8EE591FF9991}"/>
+                <a16:creationId xmlns:a16="http://schemas.microsoft.com/office/drawing/2014/main" id="{D9996BE7-7419-C82B-49BD-C09F032BEFD0}"/>
               </a:ext>
             </a:extLst>
           </p:cNvPr>
@@ -166,7 +166,7 @@
           <p:cNvPr id="3" name="副标题 2">
             <a:extLst>
               <a:ext uri="{FF2B5EF4-FFF2-40B4-BE49-F238E27FC236}">
-                <a16:creationId xmlns:a16="http://schemas.microsoft.com/office/drawing/2014/main" id="{28A957E2-B214-1EC3-4C13-2CC75ABE8D0D}"/>
+                <a16:creationId xmlns:a16="http://schemas.microsoft.com/office/drawing/2014/main" id="{DBECE971-BD10-9FD3-4371-38F5A738F7E2}"/>
               </a:ext>
             </a:extLst>
           </p:cNvPr>
@@ -236,7 +236,7 @@
           <p:cNvPr id="4" name="日期占位符 3">
             <a:extLst>
               <a:ext uri="{FF2B5EF4-FFF2-40B4-BE49-F238E27FC236}">
-                <a16:creationId xmlns:a16="http://schemas.microsoft.com/office/drawing/2014/main" id="{2D59D45B-49E8-4C4B-A840-7320FDFC27A6}"/>
+                <a16:creationId xmlns:a16="http://schemas.microsoft.com/office/drawing/2014/main" id="{EA9B8DD8-997C-0904-96C7-4C7F8EDC94C6}"/>
               </a:ext>
             </a:extLst>
           </p:cNvPr>
@@ -252,7 +252,7 @@
           <a:bodyPr/>
           <a:lstStyle/>
           <a:p>
-            <a:fld id="{7F84EF6C-FA35-47D6-BF57-76E3876DE03D}" type="datetimeFigureOut">
+            <a:fld id="{F60ADADE-222E-4736-8728-D6110F117AFF}" type="datetimeFigureOut">
               <a:rPr lang="zh-CN" altLang="en-US" smtClean="0"/>
               <a:t>2024/3/10</a:t>
             </a:fld>
@@ -265,7 +265,7 @@
           <p:cNvPr id="5" name="页脚占位符 4">
             <a:extLst>
               <a:ext uri="{FF2B5EF4-FFF2-40B4-BE49-F238E27FC236}">
-                <a16:creationId xmlns:a16="http://schemas.microsoft.com/office/drawing/2014/main" id="{426661D4-3877-5F0E-77F8-E0B9C571B2D1}"/>
+                <a16:creationId xmlns:a16="http://schemas.microsoft.com/office/drawing/2014/main" id="{2D16A596-DDB2-7452-6697-5E8192A7C367}"/>
               </a:ext>
             </a:extLst>
           </p:cNvPr>
@@ -290,7 +290,7 @@
           <p:cNvPr id="6" name="灯片编号占位符 5">
             <a:extLst>
               <a:ext uri="{FF2B5EF4-FFF2-40B4-BE49-F238E27FC236}">
-                <a16:creationId xmlns:a16="http://schemas.microsoft.com/office/drawing/2014/main" id="{0B38C92A-56C1-71C9-518B-519282E0AD30}"/>
+                <a16:creationId xmlns:a16="http://schemas.microsoft.com/office/drawing/2014/main" id="{1D98CF27-7314-28F1-C661-1B8E1B7487F4}"/>
               </a:ext>
             </a:extLst>
           </p:cNvPr>
@@ -306,7 +306,7 @@
           <a:bodyPr/>
           <a:lstStyle/>
           <a:p>
-            <a:fld id="{2F9258C7-F5CC-4E6A-BBF7-48AF6F75A92E}" type="slidenum">
+            <a:fld id="{BF328B06-93ED-48B1-8A2F-124DF3BC70F8}" type="slidenum">
               <a:rPr lang="zh-CN" altLang="en-US" smtClean="0"/>
               <a:t>‹#›</a:t>
             </a:fld>
@@ -317,7 +317,7 @@
     </p:spTree>
     <p:extLst>
       <p:ext uri="{BB962C8B-B14F-4D97-AF65-F5344CB8AC3E}">
-        <p14:creationId xmlns:p14="http://schemas.microsoft.com/office/powerpoint/2010/main" val="922449601"/>
+        <p14:creationId xmlns:p14="http://schemas.microsoft.com/office/powerpoint/2010/main" val="1720561712"/>
       </p:ext>
     </p:extLst>
   </p:cSld>
@@ -349,7 +349,7 @@
           <p:cNvPr id="2" name="标题 1">
             <a:extLst>
               <a:ext uri="{FF2B5EF4-FFF2-40B4-BE49-F238E27FC236}">
-                <a16:creationId xmlns:a16="http://schemas.microsoft.com/office/drawing/2014/main" id="{26A1E039-FCF0-9E40-233C-D2D52AD6F50F}"/>
+                <a16:creationId xmlns:a16="http://schemas.microsoft.com/office/drawing/2014/main" id="{12343E4F-C974-6909-6B91-B7314B89DC3F}"/>
               </a:ext>
             </a:extLst>
           </p:cNvPr>
@@ -377,7 +377,7 @@
           <p:cNvPr id="3" name="竖排文字占位符 2">
             <a:extLst>
               <a:ext uri="{FF2B5EF4-FFF2-40B4-BE49-F238E27FC236}">
-                <a16:creationId xmlns:a16="http://schemas.microsoft.com/office/drawing/2014/main" id="{DFFB1A24-7050-C531-444E-830C94E5920A}"/>
+                <a16:creationId xmlns:a16="http://schemas.microsoft.com/office/drawing/2014/main" id="{7F1C8D44-94AF-BFF1-165A-B83350BEA854}"/>
               </a:ext>
             </a:extLst>
           </p:cNvPr>
@@ -434,7 +434,7 @@
           <p:cNvPr id="4" name="日期占位符 3">
             <a:extLst>
               <a:ext uri="{FF2B5EF4-FFF2-40B4-BE49-F238E27FC236}">
-                <a16:creationId xmlns:a16="http://schemas.microsoft.com/office/drawing/2014/main" id="{AB58A3CC-56B1-BCCC-59CE-F9A2ADE095C6}"/>
+                <a16:creationId xmlns:a16="http://schemas.microsoft.com/office/drawing/2014/main" id="{4BEA7D6C-2B01-BDDC-4C5F-BE50C624E1FA}"/>
               </a:ext>
             </a:extLst>
           </p:cNvPr>
@@ -450,7 +450,7 @@
           <a:bodyPr/>
           <a:lstStyle/>
           <a:p>
-            <a:fld id="{7F84EF6C-FA35-47D6-BF57-76E3876DE03D}" type="datetimeFigureOut">
+            <a:fld id="{F60ADADE-222E-4736-8728-D6110F117AFF}" type="datetimeFigureOut">
               <a:rPr lang="zh-CN" altLang="en-US" smtClean="0"/>
               <a:t>2024/3/10</a:t>
             </a:fld>
@@ -463,7 +463,7 @@
           <p:cNvPr id="5" name="页脚占位符 4">
             <a:extLst>
               <a:ext uri="{FF2B5EF4-FFF2-40B4-BE49-F238E27FC236}">
-                <a16:creationId xmlns:a16="http://schemas.microsoft.com/office/drawing/2014/main" id="{6171BB8F-7778-BEE4-549E-2363BF6F7C25}"/>
+                <a16:creationId xmlns:a16="http://schemas.microsoft.com/office/drawing/2014/main" id="{1BB7FFFD-8BEE-1319-FA60-1D04E7D56F62}"/>
               </a:ext>
             </a:extLst>
           </p:cNvPr>
@@ -488,7 +488,7 @@
           <p:cNvPr id="6" name="灯片编号占位符 5">
             <a:extLst>
               <a:ext uri="{FF2B5EF4-FFF2-40B4-BE49-F238E27FC236}">
-                <a16:creationId xmlns:a16="http://schemas.microsoft.com/office/drawing/2014/main" id="{6E46686D-3079-1443-07E9-DEEC1BD50145}"/>
+                <a16:creationId xmlns:a16="http://schemas.microsoft.com/office/drawing/2014/main" id="{DE4549BA-5AD2-2365-555B-70603FDEF04F}"/>
               </a:ext>
             </a:extLst>
           </p:cNvPr>
@@ -504,7 +504,7 @@
           <a:bodyPr/>
           <a:lstStyle/>
           <a:p>
-            <a:fld id="{2F9258C7-F5CC-4E6A-BBF7-48AF6F75A92E}" type="slidenum">
+            <a:fld id="{BF328B06-93ED-48B1-8A2F-124DF3BC70F8}" type="slidenum">
               <a:rPr lang="zh-CN" altLang="en-US" smtClean="0"/>
               <a:t>‹#›</a:t>
             </a:fld>
@@ -515,7 +515,7 @@
     </p:spTree>
     <p:extLst>
       <p:ext uri="{BB962C8B-B14F-4D97-AF65-F5344CB8AC3E}">
-        <p14:creationId xmlns:p14="http://schemas.microsoft.com/office/powerpoint/2010/main" val="2673238733"/>
+        <p14:creationId xmlns:p14="http://schemas.microsoft.com/office/powerpoint/2010/main" val="664654378"/>
       </p:ext>
     </p:extLst>
   </p:cSld>
@@ -547,7 +547,7 @@
           <p:cNvPr id="2" name="竖排标题 1">
             <a:extLst>
               <a:ext uri="{FF2B5EF4-FFF2-40B4-BE49-F238E27FC236}">
-                <a16:creationId xmlns:a16="http://schemas.microsoft.com/office/drawing/2014/main" id="{61BD6951-AB96-5208-FBC6-0B5A02BD49C6}"/>
+                <a16:creationId xmlns:a16="http://schemas.microsoft.com/office/drawing/2014/main" id="{0FF23214-9D90-77BC-FB62-563FFC0F56B3}"/>
               </a:ext>
             </a:extLst>
           </p:cNvPr>
@@ -580,7 +580,7 @@
           <p:cNvPr id="3" name="竖排文字占位符 2">
             <a:extLst>
               <a:ext uri="{FF2B5EF4-FFF2-40B4-BE49-F238E27FC236}">
-                <a16:creationId xmlns:a16="http://schemas.microsoft.com/office/drawing/2014/main" id="{24EA9FD9-57D7-6F97-1F60-CB87CC2EE9F1}"/>
+                <a16:creationId xmlns:a16="http://schemas.microsoft.com/office/drawing/2014/main" id="{614E8121-F09B-FD70-34D3-2E8032EA0CAA}"/>
               </a:ext>
             </a:extLst>
           </p:cNvPr>
@@ -642,7 +642,7 @@
           <p:cNvPr id="4" name="日期占位符 3">
             <a:extLst>
               <a:ext uri="{FF2B5EF4-FFF2-40B4-BE49-F238E27FC236}">
-                <a16:creationId xmlns:a16="http://schemas.microsoft.com/office/drawing/2014/main" id="{60A7E7A8-EADC-38F3-3501-5377AF70625D}"/>
+                <a16:creationId xmlns:a16="http://schemas.microsoft.com/office/drawing/2014/main" id="{002B3671-D8E4-03C0-9C45-E0531FAA04E9}"/>
               </a:ext>
             </a:extLst>
           </p:cNvPr>
@@ -658,7 +658,7 @@
           <a:bodyPr/>
           <a:lstStyle/>
           <a:p>
-            <a:fld id="{7F84EF6C-FA35-47D6-BF57-76E3876DE03D}" type="datetimeFigureOut">
+            <a:fld id="{F60ADADE-222E-4736-8728-D6110F117AFF}" type="datetimeFigureOut">
               <a:rPr lang="zh-CN" altLang="en-US" smtClean="0"/>
               <a:t>2024/3/10</a:t>
             </a:fld>
@@ -671,7 +671,7 @@
           <p:cNvPr id="5" name="页脚占位符 4">
             <a:extLst>
               <a:ext uri="{FF2B5EF4-FFF2-40B4-BE49-F238E27FC236}">
-                <a16:creationId xmlns:a16="http://schemas.microsoft.com/office/drawing/2014/main" id="{DD6D9A9E-6C44-C546-CAB9-6315A3D48ECA}"/>
+                <a16:creationId xmlns:a16="http://schemas.microsoft.com/office/drawing/2014/main" id="{536B8130-99EA-E622-CC5A-487AADC99AC7}"/>
               </a:ext>
             </a:extLst>
           </p:cNvPr>
@@ -696,7 +696,7 @@
           <p:cNvPr id="6" name="灯片编号占位符 5">
             <a:extLst>
               <a:ext uri="{FF2B5EF4-FFF2-40B4-BE49-F238E27FC236}">
-                <a16:creationId xmlns:a16="http://schemas.microsoft.com/office/drawing/2014/main" id="{50289BDC-95C0-9967-9058-61F17B0A12E9}"/>
+                <a16:creationId xmlns:a16="http://schemas.microsoft.com/office/drawing/2014/main" id="{B405E77C-C159-4537-46D0-E46EAD3CBA47}"/>
               </a:ext>
             </a:extLst>
           </p:cNvPr>
@@ -712,7 +712,7 @@
           <a:bodyPr/>
           <a:lstStyle/>
           <a:p>
-            <a:fld id="{2F9258C7-F5CC-4E6A-BBF7-48AF6F75A92E}" type="slidenum">
+            <a:fld id="{BF328B06-93ED-48B1-8A2F-124DF3BC70F8}" type="slidenum">
               <a:rPr lang="zh-CN" altLang="en-US" smtClean="0"/>
               <a:t>‹#›</a:t>
             </a:fld>
@@ -723,7 +723,7 @@
     </p:spTree>
     <p:extLst>
       <p:ext uri="{BB962C8B-B14F-4D97-AF65-F5344CB8AC3E}">
-        <p14:creationId xmlns:p14="http://schemas.microsoft.com/office/powerpoint/2010/main" val="366530238"/>
+        <p14:creationId xmlns:p14="http://schemas.microsoft.com/office/powerpoint/2010/main" val="2007739835"/>
       </p:ext>
     </p:extLst>
   </p:cSld>
@@ -755,7 +755,7 @@
           <p:cNvPr id="2" name="标题 1">
             <a:extLst>
               <a:ext uri="{FF2B5EF4-FFF2-40B4-BE49-F238E27FC236}">
-                <a16:creationId xmlns:a16="http://schemas.microsoft.com/office/drawing/2014/main" id="{1E900368-6732-03CB-8D16-511F9875FD1B}"/>
+                <a16:creationId xmlns:a16="http://schemas.microsoft.com/office/drawing/2014/main" id="{C27F7E65-E6E6-35CC-F146-2C2EF7BE8359}"/>
               </a:ext>
             </a:extLst>
           </p:cNvPr>
@@ -783,7 +783,7 @@
           <p:cNvPr id="3" name="内容占位符 2">
             <a:extLst>
               <a:ext uri="{FF2B5EF4-FFF2-40B4-BE49-F238E27FC236}">
-                <a16:creationId xmlns:a16="http://schemas.microsoft.com/office/drawing/2014/main" id="{E84578D8-1169-0B8B-F030-1506CFDDA14E}"/>
+                <a16:creationId xmlns:a16="http://schemas.microsoft.com/office/drawing/2014/main" id="{B64CAFA5-56FD-4DBB-667C-2E8C4EEF789D}"/>
               </a:ext>
             </a:extLst>
           </p:cNvPr>
@@ -840,7 +840,7 @@
           <p:cNvPr id="4" name="日期占位符 3">
             <a:extLst>
               <a:ext uri="{FF2B5EF4-FFF2-40B4-BE49-F238E27FC236}">
-                <a16:creationId xmlns:a16="http://schemas.microsoft.com/office/drawing/2014/main" id="{3EB083CB-04F3-A4C0-C0C9-F5C3810295D8}"/>
+                <a16:creationId xmlns:a16="http://schemas.microsoft.com/office/drawing/2014/main" id="{FB349831-BC92-F27E-C4C0-B85A953EBEED}"/>
               </a:ext>
             </a:extLst>
           </p:cNvPr>
@@ -856,7 +856,7 @@
           <a:bodyPr/>
           <a:lstStyle/>
           <a:p>
-            <a:fld id="{7F84EF6C-FA35-47D6-BF57-76E3876DE03D}" type="datetimeFigureOut">
+            <a:fld id="{F60ADADE-222E-4736-8728-D6110F117AFF}" type="datetimeFigureOut">
               <a:rPr lang="zh-CN" altLang="en-US" smtClean="0"/>
               <a:t>2024/3/10</a:t>
             </a:fld>
@@ -869,7 +869,7 @@
           <p:cNvPr id="5" name="页脚占位符 4">
             <a:extLst>
               <a:ext uri="{FF2B5EF4-FFF2-40B4-BE49-F238E27FC236}">
-                <a16:creationId xmlns:a16="http://schemas.microsoft.com/office/drawing/2014/main" id="{0D69D253-2045-053E-F8FF-9BC28AF88F6F}"/>
+                <a16:creationId xmlns:a16="http://schemas.microsoft.com/office/drawing/2014/main" id="{B7FE78DF-4D77-EE55-C112-240FE4FE4A69}"/>
               </a:ext>
             </a:extLst>
           </p:cNvPr>
@@ -894,7 +894,7 @@
           <p:cNvPr id="6" name="灯片编号占位符 5">
             <a:extLst>
               <a:ext uri="{FF2B5EF4-FFF2-40B4-BE49-F238E27FC236}">
-                <a16:creationId xmlns:a16="http://schemas.microsoft.com/office/drawing/2014/main" id="{C7DE677C-D610-FBB5-9926-2F35E781E6CC}"/>
+                <a16:creationId xmlns:a16="http://schemas.microsoft.com/office/drawing/2014/main" id="{99F54B98-CC7D-4012-0984-CC16F7EED8D8}"/>
               </a:ext>
             </a:extLst>
           </p:cNvPr>
@@ -910,7 +910,7 @@
           <a:bodyPr/>
           <a:lstStyle/>
           <a:p>
-            <a:fld id="{2F9258C7-F5CC-4E6A-BBF7-48AF6F75A92E}" type="slidenum">
+            <a:fld id="{BF328B06-93ED-48B1-8A2F-124DF3BC70F8}" type="slidenum">
               <a:rPr lang="zh-CN" altLang="en-US" smtClean="0"/>
               <a:t>‹#›</a:t>
             </a:fld>
@@ -921,7 +921,7 @@
     </p:spTree>
     <p:extLst>
       <p:ext uri="{BB962C8B-B14F-4D97-AF65-F5344CB8AC3E}">
-        <p14:creationId xmlns:p14="http://schemas.microsoft.com/office/powerpoint/2010/main" val="3245968169"/>
+        <p14:creationId xmlns:p14="http://schemas.microsoft.com/office/powerpoint/2010/main" val="4091316471"/>
       </p:ext>
     </p:extLst>
   </p:cSld>
@@ -953,7 +953,7 @@
           <p:cNvPr id="2" name="标题 1">
             <a:extLst>
               <a:ext uri="{FF2B5EF4-FFF2-40B4-BE49-F238E27FC236}">
-                <a16:creationId xmlns:a16="http://schemas.microsoft.com/office/drawing/2014/main" id="{C12A118D-54F3-53D4-E98B-7DA15D7FC76C}"/>
+                <a16:creationId xmlns:a16="http://schemas.microsoft.com/office/drawing/2014/main" id="{4E2A5AC6-B611-2813-AA47-9B446A327112}"/>
               </a:ext>
             </a:extLst>
           </p:cNvPr>
@@ -990,7 +990,7 @@
           <p:cNvPr id="3" name="文本占位符 2">
             <a:extLst>
               <a:ext uri="{FF2B5EF4-FFF2-40B4-BE49-F238E27FC236}">
-                <a16:creationId xmlns:a16="http://schemas.microsoft.com/office/drawing/2014/main" id="{2FD95ECC-4B65-60F0-987D-67CCE9AD00BA}"/>
+                <a16:creationId xmlns:a16="http://schemas.microsoft.com/office/drawing/2014/main" id="{9182113C-F92A-5A13-9BC6-DE4DF17CF0D5}"/>
               </a:ext>
             </a:extLst>
           </p:cNvPr>
@@ -1115,7 +1115,7 @@
           <p:cNvPr id="4" name="日期占位符 3">
             <a:extLst>
               <a:ext uri="{FF2B5EF4-FFF2-40B4-BE49-F238E27FC236}">
-                <a16:creationId xmlns:a16="http://schemas.microsoft.com/office/drawing/2014/main" id="{7AB08605-7073-46FB-9EC4-4117D77A63EA}"/>
+                <a16:creationId xmlns:a16="http://schemas.microsoft.com/office/drawing/2014/main" id="{24E3DF64-2C98-2B23-169B-3CE6F00F4A25}"/>
               </a:ext>
             </a:extLst>
           </p:cNvPr>
@@ -1131,7 +1131,7 @@
           <a:bodyPr/>
           <a:lstStyle/>
           <a:p>
-            <a:fld id="{7F84EF6C-FA35-47D6-BF57-76E3876DE03D}" type="datetimeFigureOut">
+            <a:fld id="{F60ADADE-222E-4736-8728-D6110F117AFF}" type="datetimeFigureOut">
               <a:rPr lang="zh-CN" altLang="en-US" smtClean="0"/>
               <a:t>2024/3/10</a:t>
             </a:fld>
@@ -1144,7 +1144,7 @@
           <p:cNvPr id="5" name="页脚占位符 4">
             <a:extLst>
               <a:ext uri="{FF2B5EF4-FFF2-40B4-BE49-F238E27FC236}">
-                <a16:creationId xmlns:a16="http://schemas.microsoft.com/office/drawing/2014/main" id="{635013A8-6AA4-A865-5FB7-2EAE91658C73}"/>
+                <a16:creationId xmlns:a16="http://schemas.microsoft.com/office/drawing/2014/main" id="{68806BE1-A5C8-BC38-2C15-8072D9F57679}"/>
               </a:ext>
             </a:extLst>
           </p:cNvPr>
@@ -1169,7 +1169,7 @@
           <p:cNvPr id="6" name="灯片编号占位符 5">
             <a:extLst>
               <a:ext uri="{FF2B5EF4-FFF2-40B4-BE49-F238E27FC236}">
-                <a16:creationId xmlns:a16="http://schemas.microsoft.com/office/drawing/2014/main" id="{108142CC-CA3C-B667-CD47-50222C13ABB3}"/>
+                <a16:creationId xmlns:a16="http://schemas.microsoft.com/office/drawing/2014/main" id="{1D5A5C3E-AFB8-3BA1-4090-A1AD88F58DB7}"/>
               </a:ext>
             </a:extLst>
           </p:cNvPr>
@@ -1185,7 +1185,7 @@
           <a:bodyPr/>
           <a:lstStyle/>
           <a:p>
-            <a:fld id="{2F9258C7-F5CC-4E6A-BBF7-48AF6F75A92E}" type="slidenum">
+            <a:fld id="{BF328B06-93ED-48B1-8A2F-124DF3BC70F8}" type="slidenum">
               <a:rPr lang="zh-CN" altLang="en-US" smtClean="0"/>
               <a:t>‹#›</a:t>
             </a:fld>
@@ -1196,7 +1196,7 @@
     </p:spTree>
     <p:extLst>
       <p:ext uri="{BB962C8B-B14F-4D97-AF65-F5344CB8AC3E}">
-        <p14:creationId xmlns:p14="http://schemas.microsoft.com/office/powerpoint/2010/main" val="1661943224"/>
+        <p14:creationId xmlns:p14="http://schemas.microsoft.com/office/powerpoint/2010/main" val="909018512"/>
       </p:ext>
     </p:extLst>
   </p:cSld>
@@ -1228,7 +1228,7 @@
           <p:cNvPr id="2" name="标题 1">
             <a:extLst>
               <a:ext uri="{FF2B5EF4-FFF2-40B4-BE49-F238E27FC236}">
-                <a16:creationId xmlns:a16="http://schemas.microsoft.com/office/drawing/2014/main" id="{0A048C0C-FCC4-FFAA-04AC-198D2C15653A}"/>
+                <a16:creationId xmlns:a16="http://schemas.microsoft.com/office/drawing/2014/main" id="{71E91DCD-6007-CE82-DF98-4789AF393389}"/>
               </a:ext>
             </a:extLst>
           </p:cNvPr>
@@ -1256,7 +1256,7 @@
           <p:cNvPr id="3" name="内容占位符 2">
             <a:extLst>
               <a:ext uri="{FF2B5EF4-FFF2-40B4-BE49-F238E27FC236}">
-                <a16:creationId xmlns:a16="http://schemas.microsoft.com/office/drawing/2014/main" id="{0FEA8AA0-5EF0-CDFB-5F4F-A9834D8625F5}"/>
+                <a16:creationId xmlns:a16="http://schemas.microsoft.com/office/drawing/2014/main" id="{D96778DC-C015-21C5-A2BD-18CE0279F862}"/>
               </a:ext>
             </a:extLst>
           </p:cNvPr>
@@ -1318,7 +1318,7 @@
           <p:cNvPr id="4" name="内容占位符 3">
             <a:extLst>
               <a:ext uri="{FF2B5EF4-FFF2-40B4-BE49-F238E27FC236}">
-                <a16:creationId xmlns:a16="http://schemas.microsoft.com/office/drawing/2014/main" id="{400D9F85-7AF7-08E9-7F65-3069C70F8447}"/>
+                <a16:creationId xmlns:a16="http://schemas.microsoft.com/office/drawing/2014/main" id="{C080576F-CBFA-25DF-B09D-6519391C11A2}"/>
               </a:ext>
             </a:extLst>
           </p:cNvPr>
@@ -1380,7 +1380,7 @@
           <p:cNvPr id="5" name="日期占位符 4">
             <a:extLst>
               <a:ext uri="{FF2B5EF4-FFF2-40B4-BE49-F238E27FC236}">
-                <a16:creationId xmlns:a16="http://schemas.microsoft.com/office/drawing/2014/main" id="{909B7C1A-A944-B989-B07E-EB026B5A0C9A}"/>
+                <a16:creationId xmlns:a16="http://schemas.microsoft.com/office/drawing/2014/main" id="{3CE6566C-5B04-DC79-BD0D-55C4406AB828}"/>
               </a:ext>
             </a:extLst>
           </p:cNvPr>
@@ -1396,7 +1396,7 @@
           <a:bodyPr/>
           <a:lstStyle/>
           <a:p>
-            <a:fld id="{7F84EF6C-FA35-47D6-BF57-76E3876DE03D}" type="datetimeFigureOut">
+            <a:fld id="{F60ADADE-222E-4736-8728-D6110F117AFF}" type="datetimeFigureOut">
               <a:rPr lang="zh-CN" altLang="en-US" smtClean="0"/>
               <a:t>2024/3/10</a:t>
             </a:fld>
@@ -1409,7 +1409,7 @@
           <p:cNvPr id="6" name="页脚占位符 5">
             <a:extLst>
               <a:ext uri="{FF2B5EF4-FFF2-40B4-BE49-F238E27FC236}">
-                <a16:creationId xmlns:a16="http://schemas.microsoft.com/office/drawing/2014/main" id="{7F044B41-FFF5-4539-12A9-8F463E22EA31}"/>
+                <a16:creationId xmlns:a16="http://schemas.microsoft.com/office/drawing/2014/main" id="{8E5EB3E2-46E0-099D-1CDA-D6C43F6EBEAC}"/>
               </a:ext>
             </a:extLst>
           </p:cNvPr>
@@ -1434,7 +1434,7 @@
           <p:cNvPr id="7" name="灯片编号占位符 6">
             <a:extLst>
               <a:ext uri="{FF2B5EF4-FFF2-40B4-BE49-F238E27FC236}">
-                <a16:creationId xmlns:a16="http://schemas.microsoft.com/office/drawing/2014/main" id="{DD894F9C-7206-4CFB-F4DA-7E50F01263BA}"/>
+                <a16:creationId xmlns:a16="http://schemas.microsoft.com/office/drawing/2014/main" id="{6F0BF2A8-F999-7EBE-C2CF-5D527F5B9478}"/>
               </a:ext>
             </a:extLst>
           </p:cNvPr>
@@ -1450,7 +1450,7 @@
           <a:bodyPr/>
           <a:lstStyle/>
           <a:p>
-            <a:fld id="{2F9258C7-F5CC-4E6A-BBF7-48AF6F75A92E}" type="slidenum">
+            <a:fld id="{BF328B06-93ED-48B1-8A2F-124DF3BC70F8}" type="slidenum">
               <a:rPr lang="zh-CN" altLang="en-US" smtClean="0"/>
               <a:t>‹#›</a:t>
             </a:fld>
@@ -1461,7 +1461,7 @@
     </p:spTree>
     <p:extLst>
       <p:ext uri="{BB962C8B-B14F-4D97-AF65-F5344CB8AC3E}">
-        <p14:creationId xmlns:p14="http://schemas.microsoft.com/office/powerpoint/2010/main" val="3132055006"/>
+        <p14:creationId xmlns:p14="http://schemas.microsoft.com/office/powerpoint/2010/main" val="2175091508"/>
       </p:ext>
     </p:extLst>
   </p:cSld>
@@ -1493,7 +1493,7 @@
           <p:cNvPr id="2" name="标题 1">
             <a:extLst>
               <a:ext uri="{FF2B5EF4-FFF2-40B4-BE49-F238E27FC236}">
-                <a16:creationId xmlns:a16="http://schemas.microsoft.com/office/drawing/2014/main" id="{A1C82D0E-15A6-0EAE-6C8C-D64F8821B7BA}"/>
+                <a16:creationId xmlns:a16="http://schemas.microsoft.com/office/drawing/2014/main" id="{03F3D44A-2083-55D7-E67A-0BC9F679DB6E}"/>
               </a:ext>
             </a:extLst>
           </p:cNvPr>
@@ -1526,7 +1526,7 @@
           <p:cNvPr id="3" name="文本占位符 2">
             <a:extLst>
               <a:ext uri="{FF2B5EF4-FFF2-40B4-BE49-F238E27FC236}">
-                <a16:creationId xmlns:a16="http://schemas.microsoft.com/office/drawing/2014/main" id="{723B049A-63ED-23BC-0624-D19DA84EFC81}"/>
+                <a16:creationId xmlns:a16="http://schemas.microsoft.com/office/drawing/2014/main" id="{1DBE8BBD-0781-6022-3FAE-FBD66E560336}"/>
               </a:ext>
             </a:extLst>
           </p:cNvPr>
@@ -1597,7 +1597,7 @@
           <p:cNvPr id="4" name="内容占位符 3">
             <a:extLst>
               <a:ext uri="{FF2B5EF4-FFF2-40B4-BE49-F238E27FC236}">
-                <a16:creationId xmlns:a16="http://schemas.microsoft.com/office/drawing/2014/main" id="{F216B34A-C35E-420D-4B92-886DE23B5891}"/>
+                <a16:creationId xmlns:a16="http://schemas.microsoft.com/office/drawing/2014/main" id="{21D8E0FE-CDD7-FFB4-79B3-671E28708A5E}"/>
               </a:ext>
             </a:extLst>
           </p:cNvPr>
@@ -1659,7 +1659,7 @@
           <p:cNvPr id="5" name="文本占位符 4">
             <a:extLst>
               <a:ext uri="{FF2B5EF4-FFF2-40B4-BE49-F238E27FC236}">
-                <a16:creationId xmlns:a16="http://schemas.microsoft.com/office/drawing/2014/main" id="{2D2E2C0E-4657-1FEF-EAF3-B758FFDE107C}"/>
+                <a16:creationId xmlns:a16="http://schemas.microsoft.com/office/drawing/2014/main" id="{CEB52155-46AD-3F7D-BAD3-F1A6346A80B5}"/>
               </a:ext>
             </a:extLst>
           </p:cNvPr>
@@ -1730,7 +1730,7 @@
           <p:cNvPr id="6" name="内容占位符 5">
             <a:extLst>
               <a:ext uri="{FF2B5EF4-FFF2-40B4-BE49-F238E27FC236}">
-                <a16:creationId xmlns:a16="http://schemas.microsoft.com/office/drawing/2014/main" id="{E18A8282-E9FA-2F5E-5E6D-64740866A659}"/>
+                <a16:creationId xmlns:a16="http://schemas.microsoft.com/office/drawing/2014/main" id="{1B5DB94F-5683-0819-FD58-7414AAC94755}"/>
               </a:ext>
             </a:extLst>
           </p:cNvPr>
@@ -1792,7 +1792,7 @@
           <p:cNvPr id="7" name="日期占位符 6">
             <a:extLst>
               <a:ext uri="{FF2B5EF4-FFF2-40B4-BE49-F238E27FC236}">
-                <a16:creationId xmlns:a16="http://schemas.microsoft.com/office/drawing/2014/main" id="{FB730A99-2407-A49C-1712-91E28ECC6C46}"/>
+                <a16:creationId xmlns:a16="http://schemas.microsoft.com/office/drawing/2014/main" id="{B39FDA0A-53DE-2E12-7DE7-5C96C02B4AE7}"/>
               </a:ext>
             </a:extLst>
           </p:cNvPr>
@@ -1808,7 +1808,7 @@
           <a:bodyPr/>
           <a:lstStyle/>
           <a:p>
-            <a:fld id="{7F84EF6C-FA35-47D6-BF57-76E3876DE03D}" type="datetimeFigureOut">
+            <a:fld id="{F60ADADE-222E-4736-8728-D6110F117AFF}" type="datetimeFigureOut">
               <a:rPr lang="zh-CN" altLang="en-US" smtClean="0"/>
               <a:t>2024/3/10</a:t>
             </a:fld>
@@ -1821,7 +1821,7 @@
           <p:cNvPr id="8" name="页脚占位符 7">
             <a:extLst>
               <a:ext uri="{FF2B5EF4-FFF2-40B4-BE49-F238E27FC236}">
-                <a16:creationId xmlns:a16="http://schemas.microsoft.com/office/drawing/2014/main" id="{F03DBCF8-66D9-CC65-4FE7-C8198858D92F}"/>
+                <a16:creationId xmlns:a16="http://schemas.microsoft.com/office/drawing/2014/main" id="{507B4A13-4823-0BD8-872D-E889053EFC50}"/>
               </a:ext>
             </a:extLst>
           </p:cNvPr>
@@ -1846,7 +1846,7 @@
           <p:cNvPr id="9" name="灯片编号占位符 8">
             <a:extLst>
               <a:ext uri="{FF2B5EF4-FFF2-40B4-BE49-F238E27FC236}">
-                <a16:creationId xmlns:a16="http://schemas.microsoft.com/office/drawing/2014/main" id="{58EBD99A-8127-446D-1D71-C908AA92B6F2}"/>
+                <a16:creationId xmlns:a16="http://schemas.microsoft.com/office/drawing/2014/main" id="{05E83BB3-58E2-4288-2FFB-29518BABFE99}"/>
               </a:ext>
             </a:extLst>
           </p:cNvPr>
@@ -1862,7 +1862,7 @@
           <a:bodyPr/>
           <a:lstStyle/>
           <a:p>
-            <a:fld id="{2F9258C7-F5CC-4E6A-BBF7-48AF6F75A92E}" type="slidenum">
+            <a:fld id="{BF328B06-93ED-48B1-8A2F-124DF3BC70F8}" type="slidenum">
               <a:rPr lang="zh-CN" altLang="en-US" smtClean="0"/>
               <a:t>‹#›</a:t>
             </a:fld>
@@ -1873,7 +1873,7 @@
     </p:spTree>
     <p:extLst>
       <p:ext uri="{BB962C8B-B14F-4D97-AF65-F5344CB8AC3E}">
-        <p14:creationId xmlns:p14="http://schemas.microsoft.com/office/powerpoint/2010/main" val="2424228733"/>
+        <p14:creationId xmlns:p14="http://schemas.microsoft.com/office/powerpoint/2010/main" val="4152444368"/>
       </p:ext>
     </p:extLst>
   </p:cSld>
@@ -1905,7 +1905,7 @@
           <p:cNvPr id="2" name="标题 1">
             <a:extLst>
               <a:ext uri="{FF2B5EF4-FFF2-40B4-BE49-F238E27FC236}">
-                <a16:creationId xmlns:a16="http://schemas.microsoft.com/office/drawing/2014/main" id="{7BD22D5B-6305-1FC3-17C8-DF51BE08D964}"/>
+                <a16:creationId xmlns:a16="http://schemas.microsoft.com/office/drawing/2014/main" id="{E5C54588-6751-56CB-70A6-8750C37635BF}"/>
               </a:ext>
             </a:extLst>
           </p:cNvPr>
@@ -1933,7 +1933,7 @@
           <p:cNvPr id="3" name="日期占位符 2">
             <a:extLst>
               <a:ext uri="{FF2B5EF4-FFF2-40B4-BE49-F238E27FC236}">
-                <a16:creationId xmlns:a16="http://schemas.microsoft.com/office/drawing/2014/main" id="{1DF47D5A-E6FF-2EDB-1295-9EBF74FE3615}"/>
+                <a16:creationId xmlns:a16="http://schemas.microsoft.com/office/drawing/2014/main" id="{34FB8D85-9C53-869F-31F8-11CFA954FD65}"/>
               </a:ext>
             </a:extLst>
           </p:cNvPr>
@@ -1949,7 +1949,7 @@
           <a:bodyPr/>
           <a:lstStyle/>
           <a:p>
-            <a:fld id="{7F84EF6C-FA35-47D6-BF57-76E3876DE03D}" type="datetimeFigureOut">
+            <a:fld id="{F60ADADE-222E-4736-8728-D6110F117AFF}" type="datetimeFigureOut">
               <a:rPr lang="zh-CN" altLang="en-US" smtClean="0"/>
               <a:t>2024/3/10</a:t>
             </a:fld>
@@ -1962,7 +1962,7 @@
           <p:cNvPr id="4" name="页脚占位符 3">
             <a:extLst>
               <a:ext uri="{FF2B5EF4-FFF2-40B4-BE49-F238E27FC236}">
-                <a16:creationId xmlns:a16="http://schemas.microsoft.com/office/drawing/2014/main" id="{D98522C8-023F-2448-6A7D-4E66957C22A0}"/>
+                <a16:creationId xmlns:a16="http://schemas.microsoft.com/office/drawing/2014/main" id="{AEEE9661-0ECC-0767-BF6D-D9B34C70D77F}"/>
               </a:ext>
             </a:extLst>
           </p:cNvPr>
@@ -1987,7 +1987,7 @@
           <p:cNvPr id="5" name="灯片编号占位符 4">
             <a:extLst>
               <a:ext uri="{FF2B5EF4-FFF2-40B4-BE49-F238E27FC236}">
-                <a16:creationId xmlns:a16="http://schemas.microsoft.com/office/drawing/2014/main" id="{225700BC-72F7-5F78-3A5E-057146AF8F6F}"/>
+                <a16:creationId xmlns:a16="http://schemas.microsoft.com/office/drawing/2014/main" id="{DA0E5873-1DCF-6D07-9795-F10AD70BBBAA}"/>
               </a:ext>
             </a:extLst>
           </p:cNvPr>
@@ -2003,7 +2003,7 @@
           <a:bodyPr/>
           <a:lstStyle/>
           <a:p>
-            <a:fld id="{2F9258C7-F5CC-4E6A-BBF7-48AF6F75A92E}" type="slidenum">
+            <a:fld id="{BF328B06-93ED-48B1-8A2F-124DF3BC70F8}" type="slidenum">
               <a:rPr lang="zh-CN" altLang="en-US" smtClean="0"/>
               <a:t>‹#›</a:t>
             </a:fld>
@@ -2014,7 +2014,7 @@
     </p:spTree>
     <p:extLst>
       <p:ext uri="{BB962C8B-B14F-4D97-AF65-F5344CB8AC3E}">
-        <p14:creationId xmlns:p14="http://schemas.microsoft.com/office/powerpoint/2010/main" val="561250765"/>
+        <p14:creationId xmlns:p14="http://schemas.microsoft.com/office/powerpoint/2010/main" val="861668547"/>
       </p:ext>
     </p:extLst>
   </p:cSld>
@@ -2046,7 +2046,7 @@
           <p:cNvPr id="2" name="日期占位符 1">
             <a:extLst>
               <a:ext uri="{FF2B5EF4-FFF2-40B4-BE49-F238E27FC236}">
-                <a16:creationId xmlns:a16="http://schemas.microsoft.com/office/drawing/2014/main" id="{34702F12-3C0F-1F10-3720-13814937B119}"/>
+                <a16:creationId xmlns:a16="http://schemas.microsoft.com/office/drawing/2014/main" id="{0DC81DDF-C5C5-C4F4-4A32-A19459D66C57}"/>
               </a:ext>
             </a:extLst>
           </p:cNvPr>
@@ -2062,7 +2062,7 @@
           <a:bodyPr/>
           <a:lstStyle/>
           <a:p>
-            <a:fld id="{7F84EF6C-FA35-47D6-BF57-76E3876DE03D}" type="datetimeFigureOut">
+            <a:fld id="{F60ADADE-222E-4736-8728-D6110F117AFF}" type="datetimeFigureOut">
               <a:rPr lang="zh-CN" altLang="en-US" smtClean="0"/>
               <a:t>2024/3/10</a:t>
             </a:fld>
@@ -2075,7 +2075,7 @@
           <p:cNvPr id="3" name="页脚占位符 2">
             <a:extLst>
               <a:ext uri="{FF2B5EF4-FFF2-40B4-BE49-F238E27FC236}">
-                <a16:creationId xmlns:a16="http://schemas.microsoft.com/office/drawing/2014/main" id="{7F5BABA2-075D-D997-82C8-6AD82716F921}"/>
+                <a16:creationId xmlns:a16="http://schemas.microsoft.com/office/drawing/2014/main" id="{F80C7B4F-1626-FC6C-7D6D-D57272A1ADDE}"/>
               </a:ext>
             </a:extLst>
           </p:cNvPr>
@@ -2100,7 +2100,7 @@
           <p:cNvPr id="4" name="灯片编号占位符 3">
             <a:extLst>
               <a:ext uri="{FF2B5EF4-FFF2-40B4-BE49-F238E27FC236}">
-                <a16:creationId xmlns:a16="http://schemas.microsoft.com/office/drawing/2014/main" id="{797D3F16-B420-9CF6-389E-B811F64921F6}"/>
+                <a16:creationId xmlns:a16="http://schemas.microsoft.com/office/drawing/2014/main" id="{5A417AF1-5A7B-B219-E96C-85E10420E952}"/>
               </a:ext>
             </a:extLst>
           </p:cNvPr>
@@ -2116,7 +2116,7 @@
           <a:bodyPr/>
           <a:lstStyle/>
           <a:p>
-            <a:fld id="{2F9258C7-F5CC-4E6A-BBF7-48AF6F75A92E}" type="slidenum">
+            <a:fld id="{BF328B06-93ED-48B1-8A2F-124DF3BC70F8}" type="slidenum">
               <a:rPr lang="zh-CN" altLang="en-US" smtClean="0"/>
               <a:t>‹#›</a:t>
             </a:fld>
@@ -2127,7 +2127,7 @@
     </p:spTree>
     <p:extLst>
       <p:ext uri="{BB962C8B-B14F-4D97-AF65-F5344CB8AC3E}">
-        <p14:creationId xmlns:p14="http://schemas.microsoft.com/office/powerpoint/2010/main" val="499658741"/>
+        <p14:creationId xmlns:p14="http://schemas.microsoft.com/office/powerpoint/2010/main" val="1213642877"/>
       </p:ext>
     </p:extLst>
   </p:cSld>
@@ -2159,7 +2159,7 @@
           <p:cNvPr id="2" name="标题 1">
             <a:extLst>
               <a:ext uri="{FF2B5EF4-FFF2-40B4-BE49-F238E27FC236}">
-                <a16:creationId xmlns:a16="http://schemas.microsoft.com/office/drawing/2014/main" id="{A3A22D3E-C65B-A40F-37E0-C11DE955BD6B}"/>
+                <a16:creationId xmlns:a16="http://schemas.microsoft.com/office/drawing/2014/main" id="{EA6CE61E-AA5D-11F8-F9BD-8508F6E63BB2}"/>
               </a:ext>
             </a:extLst>
           </p:cNvPr>
@@ -2196,7 +2196,7 @@
           <p:cNvPr id="3" name="内容占位符 2">
             <a:extLst>
               <a:ext uri="{FF2B5EF4-FFF2-40B4-BE49-F238E27FC236}">
-                <a16:creationId xmlns:a16="http://schemas.microsoft.com/office/drawing/2014/main" id="{707350C9-D694-686A-39D8-DF330E3716D3}"/>
+                <a16:creationId xmlns:a16="http://schemas.microsoft.com/office/drawing/2014/main" id="{9A251664-0D98-AE50-CE5C-9B3CEAF24F86}"/>
               </a:ext>
             </a:extLst>
           </p:cNvPr>
@@ -2286,7 +2286,7 @@
           <p:cNvPr id="4" name="文本占位符 3">
             <a:extLst>
               <a:ext uri="{FF2B5EF4-FFF2-40B4-BE49-F238E27FC236}">
-                <a16:creationId xmlns:a16="http://schemas.microsoft.com/office/drawing/2014/main" id="{A2FAF361-5DE9-F9EF-FDFD-AC26944A2076}"/>
+                <a16:creationId xmlns:a16="http://schemas.microsoft.com/office/drawing/2014/main" id="{627AD36A-D219-A491-2A39-1CCC4BB35447}"/>
               </a:ext>
             </a:extLst>
           </p:cNvPr>
@@ -2357,7 +2357,7 @@
           <p:cNvPr id="5" name="日期占位符 4">
             <a:extLst>
               <a:ext uri="{FF2B5EF4-FFF2-40B4-BE49-F238E27FC236}">
-                <a16:creationId xmlns:a16="http://schemas.microsoft.com/office/drawing/2014/main" id="{B309ABF6-4928-CB08-19D9-BE12C417A468}"/>
+                <a16:creationId xmlns:a16="http://schemas.microsoft.com/office/drawing/2014/main" id="{3655B430-1BD5-4BEC-B8FC-EA7B755E487F}"/>
               </a:ext>
             </a:extLst>
           </p:cNvPr>
@@ -2373,7 +2373,7 @@
           <a:bodyPr/>
           <a:lstStyle/>
           <a:p>
-            <a:fld id="{7F84EF6C-FA35-47D6-BF57-76E3876DE03D}" type="datetimeFigureOut">
+            <a:fld id="{F60ADADE-222E-4736-8728-D6110F117AFF}" type="datetimeFigureOut">
               <a:rPr lang="zh-CN" altLang="en-US" smtClean="0"/>
               <a:t>2024/3/10</a:t>
             </a:fld>
@@ -2386,7 +2386,7 @@
           <p:cNvPr id="6" name="页脚占位符 5">
             <a:extLst>
               <a:ext uri="{FF2B5EF4-FFF2-40B4-BE49-F238E27FC236}">
-                <a16:creationId xmlns:a16="http://schemas.microsoft.com/office/drawing/2014/main" id="{EF01B933-A987-AF6E-2775-AF9D34291C3D}"/>
+                <a16:creationId xmlns:a16="http://schemas.microsoft.com/office/drawing/2014/main" id="{0A8A16B9-BE17-4748-E3DD-209454E8F22D}"/>
               </a:ext>
             </a:extLst>
           </p:cNvPr>
@@ -2411,7 +2411,7 @@
           <p:cNvPr id="7" name="灯片编号占位符 6">
             <a:extLst>
               <a:ext uri="{FF2B5EF4-FFF2-40B4-BE49-F238E27FC236}">
-                <a16:creationId xmlns:a16="http://schemas.microsoft.com/office/drawing/2014/main" id="{6C252ABB-4BFB-9F28-5519-8EFB7F0562C0}"/>
+                <a16:creationId xmlns:a16="http://schemas.microsoft.com/office/drawing/2014/main" id="{3A4C0FB8-A7B8-5E68-093F-5AD57F03D51F}"/>
               </a:ext>
             </a:extLst>
           </p:cNvPr>
@@ -2427,7 +2427,7 @@
           <a:bodyPr/>
           <a:lstStyle/>
           <a:p>
-            <a:fld id="{2F9258C7-F5CC-4E6A-BBF7-48AF6F75A92E}" type="slidenum">
+            <a:fld id="{BF328B06-93ED-48B1-8A2F-124DF3BC70F8}" type="slidenum">
               <a:rPr lang="zh-CN" altLang="en-US" smtClean="0"/>
               <a:t>‹#›</a:t>
             </a:fld>
@@ -2438,7 +2438,7 @@
     </p:spTree>
     <p:extLst>
       <p:ext uri="{BB962C8B-B14F-4D97-AF65-F5344CB8AC3E}">
-        <p14:creationId xmlns:p14="http://schemas.microsoft.com/office/powerpoint/2010/main" val="1983915390"/>
+        <p14:creationId xmlns:p14="http://schemas.microsoft.com/office/powerpoint/2010/main" val="2301244357"/>
       </p:ext>
     </p:extLst>
   </p:cSld>
@@ -2470,7 +2470,7 @@
           <p:cNvPr id="2" name="标题 1">
             <a:extLst>
               <a:ext uri="{FF2B5EF4-FFF2-40B4-BE49-F238E27FC236}">
-                <a16:creationId xmlns:a16="http://schemas.microsoft.com/office/drawing/2014/main" id="{9EE2F6BE-1FD8-19E9-874E-C577B2385179}"/>
+                <a16:creationId xmlns:a16="http://schemas.microsoft.com/office/drawing/2014/main" id="{3643A503-F52C-BCD2-5935-1579A3C3FE86}"/>
               </a:ext>
             </a:extLst>
           </p:cNvPr>
@@ -2507,7 +2507,7 @@
           <p:cNvPr id="3" name="图片占位符 2">
             <a:extLst>
               <a:ext uri="{FF2B5EF4-FFF2-40B4-BE49-F238E27FC236}">
-                <a16:creationId xmlns:a16="http://schemas.microsoft.com/office/drawing/2014/main" id="{FD18A32E-B662-F939-B1E1-60B2D074F6D2}"/>
+                <a16:creationId xmlns:a16="http://schemas.microsoft.com/office/drawing/2014/main" id="{81B2BD30-AFC4-1992-90D2-8BDBF1B2722D}"/>
               </a:ext>
             </a:extLst>
           </p:cNvPr>
@@ -2574,7 +2574,7 @@
           <p:cNvPr id="4" name="文本占位符 3">
             <a:extLst>
               <a:ext uri="{FF2B5EF4-FFF2-40B4-BE49-F238E27FC236}">
-                <a16:creationId xmlns:a16="http://schemas.microsoft.com/office/drawing/2014/main" id="{EA8A80C1-4EDC-F409-D476-81E1BEF50DC9}"/>
+                <a16:creationId xmlns:a16="http://schemas.microsoft.com/office/drawing/2014/main" id="{870D4BC6-782A-31F9-2B69-9C9C2B6F928C}"/>
               </a:ext>
             </a:extLst>
           </p:cNvPr>
@@ -2645,7 +2645,7 @@
           <p:cNvPr id="5" name="日期占位符 4">
             <a:extLst>
               <a:ext uri="{FF2B5EF4-FFF2-40B4-BE49-F238E27FC236}">
-                <a16:creationId xmlns:a16="http://schemas.microsoft.com/office/drawing/2014/main" id="{5851A3C4-C27A-7B39-64F4-1AFA30F73D40}"/>
+                <a16:creationId xmlns:a16="http://schemas.microsoft.com/office/drawing/2014/main" id="{B558B367-7C3A-3025-E944-A7238DC5614B}"/>
               </a:ext>
             </a:extLst>
           </p:cNvPr>
@@ -2661,7 +2661,7 @@
           <a:bodyPr/>
           <a:lstStyle/>
           <a:p>
-            <a:fld id="{7F84EF6C-FA35-47D6-BF57-76E3876DE03D}" type="datetimeFigureOut">
+            <a:fld id="{F60ADADE-222E-4736-8728-D6110F117AFF}" type="datetimeFigureOut">
               <a:rPr lang="zh-CN" altLang="en-US" smtClean="0"/>
               <a:t>2024/3/10</a:t>
             </a:fld>
@@ -2674,7 +2674,7 @@
           <p:cNvPr id="6" name="页脚占位符 5">
             <a:extLst>
               <a:ext uri="{FF2B5EF4-FFF2-40B4-BE49-F238E27FC236}">
-                <a16:creationId xmlns:a16="http://schemas.microsoft.com/office/drawing/2014/main" id="{60892C2F-5E00-0E1F-D3B2-B45014D216E7}"/>
+                <a16:creationId xmlns:a16="http://schemas.microsoft.com/office/drawing/2014/main" id="{322E0DB1-6A0C-1B30-B500-1D0239A6B492}"/>
               </a:ext>
             </a:extLst>
           </p:cNvPr>
@@ -2699,7 +2699,7 @@
           <p:cNvPr id="7" name="灯片编号占位符 6">
             <a:extLst>
               <a:ext uri="{FF2B5EF4-FFF2-40B4-BE49-F238E27FC236}">
-                <a16:creationId xmlns:a16="http://schemas.microsoft.com/office/drawing/2014/main" id="{5CF9C8B3-5812-FFFA-5259-7ACDCA2C8EDF}"/>
+                <a16:creationId xmlns:a16="http://schemas.microsoft.com/office/drawing/2014/main" id="{B93CD790-BA71-27B1-4B46-F59E5318F881}"/>
               </a:ext>
             </a:extLst>
           </p:cNvPr>
@@ -2715,7 +2715,7 @@
           <a:bodyPr/>
           <a:lstStyle/>
           <a:p>
-            <a:fld id="{2F9258C7-F5CC-4E6A-BBF7-48AF6F75A92E}" type="slidenum">
+            <a:fld id="{BF328B06-93ED-48B1-8A2F-124DF3BC70F8}" type="slidenum">
               <a:rPr lang="zh-CN" altLang="en-US" smtClean="0"/>
               <a:t>‹#›</a:t>
             </a:fld>
@@ -2726,7 +2726,7 @@
     </p:spTree>
     <p:extLst>
       <p:ext uri="{BB962C8B-B14F-4D97-AF65-F5344CB8AC3E}">
-        <p14:creationId xmlns:p14="http://schemas.microsoft.com/office/powerpoint/2010/main" val="1203915437"/>
+        <p14:creationId xmlns:p14="http://schemas.microsoft.com/office/powerpoint/2010/main" val="3781276136"/>
       </p:ext>
     </p:extLst>
   </p:cSld>
@@ -2763,7 +2763,7 @@
           <p:cNvPr id="2" name="标题占位符 1">
             <a:extLst>
               <a:ext uri="{FF2B5EF4-FFF2-40B4-BE49-F238E27FC236}">
-                <a16:creationId xmlns:a16="http://schemas.microsoft.com/office/drawing/2014/main" id="{B2D9DD3A-56C4-C9D2-4346-366FAACF358F}"/>
+                <a16:creationId xmlns:a16="http://schemas.microsoft.com/office/drawing/2014/main" id="{82EE7E1C-C3BA-537E-6FD8-464D7B78700B}"/>
               </a:ext>
             </a:extLst>
           </p:cNvPr>
@@ -2801,7 +2801,7 @@
           <p:cNvPr id="3" name="文本占位符 2">
             <a:extLst>
               <a:ext uri="{FF2B5EF4-FFF2-40B4-BE49-F238E27FC236}">
-                <a16:creationId xmlns:a16="http://schemas.microsoft.com/office/drawing/2014/main" id="{5CBC8CDD-9D8B-EAB4-CB2A-B75DD5D44951}"/>
+                <a16:creationId xmlns:a16="http://schemas.microsoft.com/office/drawing/2014/main" id="{39AFB3E7-36A4-BF19-89D0-5753AD8AF603}"/>
               </a:ext>
             </a:extLst>
           </p:cNvPr>
@@ -2868,7 +2868,7 @@
           <p:cNvPr id="4" name="日期占位符 3">
             <a:extLst>
               <a:ext uri="{FF2B5EF4-FFF2-40B4-BE49-F238E27FC236}">
-                <a16:creationId xmlns:a16="http://schemas.microsoft.com/office/drawing/2014/main" id="{A622BFD7-ED64-6631-BD54-F8E21EE28916}"/>
+                <a16:creationId xmlns:a16="http://schemas.microsoft.com/office/drawing/2014/main" id="{4C87815A-8C90-C808-CD95-02446AFDCD80}"/>
               </a:ext>
             </a:extLst>
           </p:cNvPr>
@@ -2902,7 +2902,7 @@
             </a:lvl1pPr>
           </a:lstStyle>
           <a:p>
-            <a:fld id="{7F84EF6C-FA35-47D6-BF57-76E3876DE03D}" type="datetimeFigureOut">
+            <a:fld id="{F60ADADE-222E-4736-8728-D6110F117AFF}" type="datetimeFigureOut">
               <a:rPr lang="zh-CN" altLang="en-US" smtClean="0"/>
               <a:t>2024/3/10</a:t>
             </a:fld>
@@ -2915,7 +2915,7 @@
           <p:cNvPr id="5" name="页脚占位符 4">
             <a:extLst>
               <a:ext uri="{FF2B5EF4-FFF2-40B4-BE49-F238E27FC236}">
-                <a16:creationId xmlns:a16="http://schemas.microsoft.com/office/drawing/2014/main" id="{9BFBC8D7-CE5A-1756-D0CC-33B320EA2B25}"/>
+                <a16:creationId xmlns:a16="http://schemas.microsoft.com/office/drawing/2014/main" id="{87D7B603-3429-430B-819C-D294DA198DAA}"/>
               </a:ext>
             </a:extLst>
           </p:cNvPr>
@@ -2958,7 +2958,7 @@
           <p:cNvPr id="6" name="灯片编号占位符 5">
             <a:extLst>
               <a:ext uri="{FF2B5EF4-FFF2-40B4-BE49-F238E27FC236}">
-                <a16:creationId xmlns:a16="http://schemas.microsoft.com/office/drawing/2014/main" id="{6D564248-0B11-3C61-F561-FEC877C678FF}"/>
+                <a16:creationId xmlns:a16="http://schemas.microsoft.com/office/drawing/2014/main" id="{B1798064-1860-C873-4AE9-44E06CCC7A9C}"/>
               </a:ext>
             </a:extLst>
           </p:cNvPr>
@@ -2992,7 +2992,7 @@
             </a:lvl1pPr>
           </a:lstStyle>
           <a:p>
-            <a:fld id="{2F9258C7-F5CC-4E6A-BBF7-48AF6F75A92E}" type="slidenum">
+            <a:fld id="{BF328B06-93ED-48B1-8A2F-124DF3BC70F8}" type="slidenum">
               <a:rPr lang="zh-CN" altLang="en-US" smtClean="0"/>
               <a:t>‹#›</a:t>
             </a:fld>
@@ -3003,7 +3003,7 @@
     </p:spTree>
     <p:extLst>
       <p:ext uri="{BB962C8B-B14F-4D97-AF65-F5344CB8AC3E}">
-        <p14:creationId xmlns:p14="http://schemas.microsoft.com/office/powerpoint/2010/main" val="588183864"/>
+        <p14:creationId xmlns:p14="http://schemas.microsoft.com/office/powerpoint/2010/main" val="752303348"/>
       </p:ext>
     </p:extLst>
   </p:cSld>
@@ -3323,7 +3323,7 @@
       </p:grpSpPr>
       <p:pic>
         <p:nvPicPr>
-          <p:cNvPr id="1227778" name="Picture 2" descr="1198"/>
+          <p:cNvPr id="1228802" name="Picture 2" descr="1199"/>
           <p:cNvPicPr>
             <a:picLocks noChangeAspect="1" noChangeArrowheads="1"/>
           </p:cNvPicPr>
@@ -3344,7 +3344,7 @@
         </p:blipFill>
         <p:spPr bwMode="auto">
           <a:xfrm>
-            <a:off x="1543050" y="1"/>
+            <a:off x="1524000" y="1"/>
             <a:ext cx="9124950" cy="6843713"/>
           </a:xfrm>
           <a:prstGeom prst="rect">
